--- a/econometric/Template Tesi di Laurea Magistrale.pptx
+++ b/econometric/Template Tesi di Laurea Magistrale.pptx
@@ -202,7 +202,7 @@
           <a:p>
             <a:fld id="{EA8FC050-9C1D-4A44-B4C3-0E30B77BCAC1}" type="datetimeFigureOut">
               <a:rPr lang="it-IT" smtClean="0"/>
-              <a:t>10/04/25</a:t>
+              <a:t>10/04/2025</a:t>
             </a:fld>
             <a:endParaRPr lang="it-IT"/>
           </a:p>
@@ -2660,8 +2660,8 @@
         </p:nvSpPr>
         <p:spPr>
           <a:xfrm>
-            <a:off x="447931" y="1512838"/>
-            <a:ext cx="6497155" cy="3139321"/>
+            <a:off x="342412" y="1159547"/>
+            <a:ext cx="6497155" cy="4247317"/>
           </a:xfrm>
           <a:prstGeom prst="rect">
             <a:avLst/>
@@ -2683,7 +2683,7 @@
             </a:r>
             <a:r>
               <a:rPr lang="en-GB" dirty="0"/>
-              <a:t>: GARCH (Autoregressive Conditional Heteroskedasticity)</a:t>
+              <a:t>: GARCH (Autoregressive Conditional Heteroskedasticity) on 2017-2018 data</a:t>
             </a:r>
             <a:br>
               <a:rPr lang="en-GB" dirty="0"/>
@@ -2702,137 +2702,155 @@
               <a:rPr lang="en-GB" dirty="0"/>
               <a:t>: Capture volatility clustering in financial time series</a:t>
             </a:r>
+          </a:p>
+          <a:p>
+            <a:endParaRPr lang="en-GB" dirty="0"/>
+          </a:p>
+          <a:p>
+            <a:pPr marL="285750" indent="-285750">
+              <a:buFont typeface="Wingdings" panose="05000000000000000000" pitchFamily="2" charset="2"/>
+              <a:buChar char="ü"/>
+            </a:pPr>
+            <a:r>
+              <a:rPr lang="en-GB" dirty="0"/>
+              <a:t>Daily log-returns</a:t>
+            </a:r>
+          </a:p>
+          <a:p>
+            <a:pPr marL="285750" indent="-285750">
+              <a:buFont typeface="Wingdings" panose="05000000000000000000" pitchFamily="2" charset="2"/>
+              <a:buChar char="ü"/>
+            </a:pPr>
+            <a:r>
+              <a:rPr lang="en-GB" dirty="0"/>
+              <a:t>Hour 17.00 returns are excluded</a:t>
+            </a:r>
+          </a:p>
+          <a:p>
+            <a:pPr marL="285750" indent="-285750">
+              <a:buFont typeface="Wingdings" panose="05000000000000000000" pitchFamily="2" charset="2"/>
+              <a:buChar char="ü"/>
+            </a:pPr>
+            <a:r>
+              <a:rPr lang="en-GB" dirty="0"/>
+              <a:t>ADF tests (under all the 3 assumptions)  show that there is statistical evidence to assume stationarity</a:t>
+            </a:r>
+          </a:p>
+          <a:p>
+            <a:pPr>
+              <a:buNone/>
+            </a:pPr>
+            <a:br>
+              <a:rPr lang="en-GB" dirty="0"/>
+            </a:br>
+            <a:r>
+              <a:rPr lang="en-GB" b="1" dirty="0"/>
+              <a:t>Result</a:t>
+            </a:r>
+            <a:r>
+              <a:rPr lang="en-GB" dirty="0"/>
+              <a:t>:</a:t>
+            </a:r>
+          </a:p>
+          <a:p>
+            <a:pPr lvl="1">
+              <a:buFont typeface="Arial" panose="020B0604020202020204" pitchFamily="34" charset="0"/>
+              <a:buChar char="•"/>
+            </a:pPr>
+            <a:r>
+              <a:rPr lang="en-GB" dirty="0"/>
+              <a:t>Significant ARCH effect (confirmed via LM test)</a:t>
+            </a:r>
+          </a:p>
+          <a:p>
+            <a:pPr lvl="1">
+              <a:buFont typeface="Arial" panose="020B0604020202020204" pitchFamily="34" charset="0"/>
+              <a:buChar char="•"/>
+            </a:pPr>
+            <a:r>
+              <a:rPr lang="en-GB" dirty="0"/>
+              <a:t>Low R^2  and adjusted R^2 </a:t>
+            </a:r>
             <a:br>
               <a:rPr lang="en-GB" dirty="0"/>
             </a:br>
             <a:endParaRPr lang="en-GB" dirty="0"/>
           </a:p>
           <a:p>
-            <a:pPr>
-              <a:buNone/>
-            </a:pPr>
-            <a:r>
-              <a:rPr lang="en-GB" b="1" dirty="0"/>
-              <a:t>Result</a:t>
-            </a:r>
-            <a:r>
-              <a:rPr lang="en-GB" dirty="0"/>
-              <a:t>:</a:t>
-            </a:r>
-          </a:p>
-          <a:p>
-            <a:pPr lvl="1">
-              <a:buFont typeface="Arial" panose="020B0604020202020204" pitchFamily="34" charset="0"/>
-              <a:buChar char="•"/>
-            </a:pPr>
-            <a:r>
-              <a:rPr lang="en-GB" dirty="0"/>
-              <a:t>Significant ARCH effect (confirmed via LM test)</a:t>
-            </a:r>
-          </a:p>
-          <a:p>
-            <a:pPr lvl="1">
-              <a:buFont typeface="Arial" panose="020B0604020202020204" pitchFamily="34" charset="0"/>
-              <a:buChar char="•"/>
-            </a:pPr>
-            <a:r>
-              <a:rPr lang="en-GB" dirty="0"/>
-              <a:t>Better at predicting </a:t>
-            </a:r>
-            <a:r>
-              <a:rPr lang="en-GB" b="1" dirty="0"/>
-              <a:t>volatility spikes</a:t>
-            </a:r>
-            <a:br>
-              <a:rPr lang="en-GB" b="1" dirty="0"/>
-            </a:br>
-            <a:endParaRPr lang="en-GB" dirty="0"/>
-          </a:p>
-          <a:p>
-            <a:pPr>
-              <a:buNone/>
-            </a:pPr>
-            <a:r>
-              <a:rPr lang="en-GB" b="1" dirty="0"/>
-              <a:t>Observation</a:t>
-            </a:r>
-            <a:r>
-              <a:rPr lang="en-GB" dirty="0"/>
-              <a:t>:</a:t>
-            </a:r>
-          </a:p>
-          <a:p>
-            <a:pPr lvl="1">
-              <a:buFont typeface="Arial" panose="020B0604020202020204" pitchFamily="34" charset="0"/>
-              <a:buChar char="•"/>
-            </a:pPr>
-            <a:r>
-              <a:rPr lang="en-GB" dirty="0"/>
-              <a:t>Complements linear models by capturing </a:t>
-            </a:r>
-            <a:r>
-              <a:rPr lang="en-GB" b="1" dirty="0"/>
-              <a:t>heteroskedasticity</a:t>
-            </a:r>
-            <a:endParaRPr lang="en-GB" dirty="0"/>
-          </a:p>
-          <a:p>
             <a:pPr algn="just">
               <a:buNone/>
             </a:pPr>
-            <a:endParaRPr lang="en-GB" dirty="0"/>
+            <a:r>
+              <a:rPr lang="en-GB" b="1" dirty="0"/>
+              <a:t>Prediction: </a:t>
+            </a:r>
+            <a:r>
+              <a:rPr lang="en-GB" dirty="0"/>
+              <a:t>1 step-ahead rolling window</a:t>
+            </a:r>
           </a:p>
         </p:txBody>
       </p:sp>
-      <p:sp>
-        <p:nvSpPr>
-          <p:cNvPr id="4" name="Rectangle 3">
+      <p:pic>
+        <p:nvPicPr>
+          <p:cNvPr id="7" name="Picture 6">
             <a:extLst>
               <a:ext uri="{FF2B5EF4-FFF2-40B4-BE49-F238E27FC236}">
-                <a16:creationId xmlns:a16="http://schemas.microsoft.com/office/drawing/2014/main" id="{8324900E-007B-AFDF-BDE9-E61E0B193BCB}"/>
+                <a16:creationId xmlns:a16="http://schemas.microsoft.com/office/drawing/2014/main" id="{5119EEA1-8AC2-16FB-00CF-91ACE966EF98}"/>
               </a:ext>
             </a:extLst>
           </p:cNvPr>
-          <p:cNvSpPr/>
+          <p:cNvPicPr>
+            <a:picLocks noChangeAspect="1"/>
+          </p:cNvPicPr>
           <p:nvPr/>
-        </p:nvSpPr>
+        </p:nvPicPr>
+        <p:blipFill>
+          <a:blip r:embed="rId2"/>
+          <a:stretch>
+            <a:fillRect/>
+          </a:stretch>
+        </p:blipFill>
         <p:spPr>
           <a:xfrm>
-            <a:off x="7554686" y="1512837"/>
-            <a:ext cx="4272789" cy="4169505"/>
+            <a:off x="7192068" y="1193101"/>
+            <a:ext cx="4552001" cy="1933536"/>
           </a:xfrm>
           <a:prstGeom prst="rect">
             <a:avLst/>
           </a:prstGeom>
         </p:spPr>
-        <p:style>
-          <a:lnRef idx="2">
-            <a:schemeClr val="accent1">
-              <a:shade val="15000"/>
-            </a:schemeClr>
-          </a:lnRef>
-          <a:fillRef idx="1">
-            <a:schemeClr val="accent1"/>
-          </a:fillRef>
-          <a:effectRef idx="0">
-            <a:schemeClr val="accent1"/>
-          </a:effectRef>
-          <a:fontRef idx="minor">
-            <a:schemeClr val="lt1"/>
-          </a:fontRef>
-        </p:style>
-        <p:txBody>
-          <a:bodyPr rtlCol="0" anchor="ctr"/>
-          <a:lstStyle/>
-          <a:p>
-            <a:pPr algn="ctr"/>
-            <a:r>
-              <a:rPr lang="en-IT" dirty="0"/>
-              <a:t>immagine</a:t>
-            </a:r>
-          </a:p>
-        </p:txBody>
-      </p:sp>
+      </p:pic>
+      <p:pic>
+        <p:nvPicPr>
+          <p:cNvPr id="13" name="Picture 12">
+            <a:extLst>
+              <a:ext uri="{FF2B5EF4-FFF2-40B4-BE49-F238E27FC236}">
+                <a16:creationId xmlns:a16="http://schemas.microsoft.com/office/drawing/2014/main" id="{923F72F9-C112-245C-AD8F-792641FA6D77}"/>
+              </a:ext>
+            </a:extLst>
+          </p:cNvPr>
+          <p:cNvPicPr>
+            <a:picLocks noChangeAspect="1"/>
+          </p:cNvPicPr>
+          <p:nvPr/>
+        </p:nvPicPr>
+        <p:blipFill>
+          <a:blip r:embed="rId3"/>
+          <a:stretch>
+            <a:fillRect/>
+          </a:stretch>
+        </p:blipFill>
+        <p:spPr>
+          <a:xfrm>
+            <a:off x="5711235" y="3574473"/>
+            <a:ext cx="6225422" cy="2454919"/>
+          </a:xfrm>
+          <a:prstGeom prst="rect">
+            <a:avLst/>
+          </a:prstGeom>
+        </p:spPr>
+      </p:pic>
     </p:spTree>
     <p:extLst>
       <p:ext uri="{BB962C8B-B14F-4D97-AF65-F5344CB8AC3E}">

--- a/econometric/Template Tesi di Laurea Magistrale.pptx
+++ b/econometric/Template Tesi di Laurea Magistrale.pptx
@@ -5,7 +5,7 @@
     <p:sldMasterId id="2147483648" r:id="rId1"/>
   </p:sldMasterIdLst>
   <p:notesMasterIdLst>
-    <p:notesMasterId r:id="rId8"/>
+    <p:notesMasterId r:id="rId9"/>
   </p:notesMasterIdLst>
   <p:sldIdLst>
     <p:sldId id="256" r:id="rId2"/>
@@ -14,6 +14,7 @@
     <p:sldId id="261" r:id="rId5"/>
     <p:sldId id="263" r:id="rId6"/>
     <p:sldId id="262" r:id="rId7"/>
+    <p:sldId id="264" r:id="rId8"/>
   </p:sldIdLst>
   <p:sldSz cx="12192000" cy="6858000"/>
   <p:notesSz cx="6858000" cy="9144000"/>
@@ -1647,8 +1648,8 @@
         </p:nvSpPr>
         <p:spPr>
           <a:xfrm>
-            <a:off x="968829" y="2231571"/>
-            <a:ext cx="10045159" cy="3416320"/>
+            <a:off x="381707" y="1072329"/>
+            <a:ext cx="12064293" cy="1877437"/>
           </a:xfrm>
           <a:prstGeom prst="rect">
             <a:avLst/>
@@ -1665,12 +1666,20 @@
               <a:buNone/>
             </a:pPr>
             <a:r>
-              <a:rPr lang="en-GB" b="1" dirty="0"/>
+              <a:rPr lang="en-GB" sz="1600" b="1" dirty="0"/>
               <a:t>Source</a:t>
             </a:r>
             <a:r>
-              <a:rPr lang="en-GB" dirty="0"/>
-              <a:t>: Historical NIFTY50 data from [Kaggle]</a:t>
+              <a:rPr lang="en-GB" sz="1600" dirty="0"/>
+              <a:t>: Historical NIFTY50 data from [Kaggle]			</a:t>
+            </a:r>
+            <a:r>
+              <a:rPr lang="en-GB" sz="1600" b="1" dirty="0"/>
+              <a:t>Time Period</a:t>
+            </a:r>
+            <a:r>
+              <a:rPr lang="en-GB" sz="1600" dirty="0"/>
+              <a:t>: January 2017 – December 2022</a:t>
             </a:r>
           </a:p>
           <a:p>
@@ -1678,103 +1687,236 @@
               <a:buNone/>
             </a:pPr>
             <a:r>
-              <a:rPr lang="en-GB" b="1" dirty="0"/>
-              <a:t>Time Period</a:t>
-            </a:r>
-            <a:r>
-              <a:rPr lang="en-GB" dirty="0"/>
-              <a:t>: January 2017 – December 2022</a:t>
+              <a:rPr lang="en-GB" sz="1600" b="1" dirty="0"/>
+              <a:t>Features: </a:t>
+            </a:r>
+            <a:r>
+              <a:rPr lang="en-GB" sz="1600" dirty="0"/>
+              <a:t>Date, Open, High, Low, Close prices, Volume traded		</a:t>
+            </a:r>
+            <a:r>
+              <a:rPr lang="en-GB" sz="1600" b="1" dirty="0"/>
+              <a:t>Frequency</a:t>
+            </a:r>
+            <a:r>
+              <a:rPr lang="en-GB" sz="1600" dirty="0"/>
+              <a:t>: Minute observations</a:t>
             </a:r>
           </a:p>
           <a:p>
             <a:pPr>
               <a:buNone/>
             </a:pPr>
-            <a:r>
-              <a:rPr lang="en-GB" b="1" dirty="0"/>
-              <a:t>Features</a:t>
-            </a:r>
-            <a:r>
-              <a:rPr lang="en-GB" dirty="0"/>
-              <a:t>:</a:t>
-            </a:r>
-          </a:p>
-          <a:p>
-            <a:pPr lvl="1">
-              <a:buFont typeface="Arial" panose="020B0604020202020204" pitchFamily="34" charset="0"/>
-              <a:buChar char="•"/>
+            <a:endParaRPr lang="en-GB" sz="1600" dirty="0"/>
+          </a:p>
+          <a:p>
+            <a:pPr marL="285750" indent="-285750">
+              <a:buFont typeface="Wingdings" panose="05000000000000000000" pitchFamily="2" charset="2"/>
+              <a:buChar char="ü"/>
             </a:pPr>
             <a:r>
-              <a:rPr lang="en-GB" dirty="0"/>
-              <a:t> Date</a:t>
-            </a:r>
-          </a:p>
-          <a:p>
-            <a:pPr lvl="1">
-              <a:buFont typeface="Arial" panose="020B0604020202020204" pitchFamily="34" charset="0"/>
-              <a:buChar char="•"/>
+              <a:rPr lang="en-GB" sz="1600" dirty="0"/>
+              <a:t>Daily returns</a:t>
+            </a:r>
+          </a:p>
+          <a:p>
+            <a:pPr marL="285750" indent="-285750">
+              <a:buFont typeface="Wingdings" panose="05000000000000000000" pitchFamily="2" charset="2"/>
+              <a:buChar char="ü"/>
             </a:pPr>
             <a:r>
-              <a:rPr lang="en-GB" dirty="0"/>
-              <a:t> Open, High, Low, Close prices</a:t>
-            </a:r>
-          </a:p>
-          <a:p>
-            <a:pPr lvl="1">
-              <a:buFont typeface="Arial" panose="020B0604020202020204" pitchFamily="34" charset="0"/>
-              <a:buChar char="•"/>
-            </a:pPr>
-            <a:r>
-              <a:rPr lang="en-GB" dirty="0"/>
-              <a:t> Volume traded</a:t>
-            </a:r>
-            <a:br>
-              <a:rPr lang="en-GB" dirty="0"/>
-            </a:br>
-            <a:endParaRPr lang="en-GB" dirty="0"/>
-          </a:p>
-          <a:p>
-            <a:pPr>
-              <a:buNone/>
-            </a:pPr>
-            <a:r>
-              <a:rPr lang="en-GB" b="1" dirty="0"/>
-              <a:t>Additional Data</a:t>
-            </a:r>
-            <a:r>
-              <a:rPr lang="en-GB" dirty="0"/>
-              <a:t>:</a:t>
-            </a:r>
-          </a:p>
-          <a:p>
-            <a:pPr lvl="1">
-              <a:buFont typeface="Arial" panose="020B0604020202020204" pitchFamily="34" charset="0"/>
-              <a:buChar char="•"/>
-            </a:pPr>
-            <a:r>
-              <a:rPr lang="en-GB" dirty="0"/>
-              <a:t> Other major indices: S&amp;P 500, Nikkei 225, FTSE 100 for correlation analysis</a:t>
-            </a:r>
-            <a:br>
-              <a:rPr lang="en-GB" dirty="0"/>
-            </a:br>
-            <a:endParaRPr lang="en-GB" dirty="0"/>
-          </a:p>
-          <a:p>
-            <a:r>
-              <a:rPr lang="en-GB" b="1" dirty="0"/>
-              <a:t>Frequency</a:t>
-            </a:r>
-            <a:r>
-              <a:rPr lang="en-GB" dirty="0"/>
-              <a:t>: Minute/Daily observations</a:t>
-            </a:r>
+              <a:rPr lang="en-GB" sz="1600" dirty="0"/>
+              <a:t>ADF tests (under all the 3 assumptions)  show that there is statistical evidence to assume stationarity</a:t>
+            </a:r>
+          </a:p>
+          <a:p>
+            <a:endParaRPr lang="it-IT" dirty="0"/>
           </a:p>
           <a:p>
             <a:endParaRPr lang="en-IT" dirty="0"/>
           </a:p>
         </p:txBody>
       </p:sp>
+      <p:pic>
+        <p:nvPicPr>
+          <p:cNvPr id="8" name="Picture 7">
+            <a:extLst>
+              <a:ext uri="{FF2B5EF4-FFF2-40B4-BE49-F238E27FC236}">
+                <a16:creationId xmlns:a16="http://schemas.microsoft.com/office/drawing/2014/main" id="{60F84555-6045-FAC2-D772-57C5E5939EF1}"/>
+              </a:ext>
+            </a:extLst>
+          </p:cNvPr>
+          <p:cNvPicPr>
+            <a:picLocks noChangeAspect="1"/>
+          </p:cNvPicPr>
+          <p:nvPr/>
+        </p:nvPicPr>
+        <p:blipFill>
+          <a:blip r:embed="rId2"/>
+          <a:stretch>
+            <a:fillRect/>
+          </a:stretch>
+        </p:blipFill>
+        <p:spPr>
+          <a:xfrm>
+            <a:off x="263023" y="2570345"/>
+            <a:ext cx="3420164" cy="1717309"/>
+          </a:xfrm>
+          <a:prstGeom prst="rect">
+            <a:avLst/>
+          </a:prstGeom>
+        </p:spPr>
+      </p:pic>
+      <p:pic>
+        <p:nvPicPr>
+          <p:cNvPr id="10" name="Picture 9">
+            <a:extLst>
+              <a:ext uri="{FF2B5EF4-FFF2-40B4-BE49-F238E27FC236}">
+                <a16:creationId xmlns:a16="http://schemas.microsoft.com/office/drawing/2014/main" id="{5E032B48-5F99-56A2-EFCE-DB4F9E259017}"/>
+              </a:ext>
+            </a:extLst>
+          </p:cNvPr>
+          <p:cNvPicPr>
+            <a:picLocks noChangeAspect="1"/>
+          </p:cNvPicPr>
+          <p:nvPr/>
+        </p:nvPicPr>
+        <p:blipFill>
+          <a:blip r:embed="rId3"/>
+          <a:stretch>
+            <a:fillRect/>
+          </a:stretch>
+        </p:blipFill>
+        <p:spPr>
+          <a:xfrm>
+            <a:off x="4301452" y="2570345"/>
+            <a:ext cx="3495179" cy="1868173"/>
+          </a:xfrm>
+          <a:prstGeom prst="rect">
+            <a:avLst/>
+          </a:prstGeom>
+        </p:spPr>
+      </p:pic>
+      <p:pic>
+        <p:nvPicPr>
+          <p:cNvPr id="12" name="Picture 11">
+            <a:extLst>
+              <a:ext uri="{FF2B5EF4-FFF2-40B4-BE49-F238E27FC236}">
+                <a16:creationId xmlns:a16="http://schemas.microsoft.com/office/drawing/2014/main" id="{73A47218-663E-AD46-55FE-A0D4D948DA1D}"/>
+              </a:ext>
+            </a:extLst>
+          </p:cNvPr>
+          <p:cNvPicPr>
+            <a:picLocks noChangeAspect="1"/>
+          </p:cNvPicPr>
+          <p:nvPr/>
+        </p:nvPicPr>
+        <p:blipFill>
+          <a:blip r:embed="rId4"/>
+          <a:stretch>
+            <a:fillRect/>
+          </a:stretch>
+        </p:blipFill>
+        <p:spPr>
+          <a:xfrm>
+            <a:off x="8385381" y="2570344"/>
+            <a:ext cx="3308000" cy="1868173"/>
+          </a:xfrm>
+          <a:prstGeom prst="rect">
+            <a:avLst/>
+          </a:prstGeom>
+        </p:spPr>
+      </p:pic>
+      <p:pic>
+        <p:nvPicPr>
+          <p:cNvPr id="24" name="Picture 23">
+            <a:extLst>
+              <a:ext uri="{FF2B5EF4-FFF2-40B4-BE49-F238E27FC236}">
+                <a16:creationId xmlns:a16="http://schemas.microsoft.com/office/drawing/2014/main" id="{7D7D7B43-F74C-BAA5-3777-A6AC00B40518}"/>
+              </a:ext>
+            </a:extLst>
+          </p:cNvPr>
+          <p:cNvPicPr>
+            <a:picLocks noChangeAspect="1"/>
+          </p:cNvPicPr>
+          <p:nvPr/>
+        </p:nvPicPr>
+        <p:blipFill>
+          <a:blip r:embed="rId5"/>
+          <a:stretch>
+            <a:fillRect/>
+          </a:stretch>
+        </p:blipFill>
+        <p:spPr>
+          <a:xfrm>
+            <a:off x="105355" y="4447783"/>
+            <a:ext cx="4000832" cy="1670496"/>
+          </a:xfrm>
+          <a:prstGeom prst="rect">
+            <a:avLst/>
+          </a:prstGeom>
+        </p:spPr>
+      </p:pic>
+      <p:pic>
+        <p:nvPicPr>
+          <p:cNvPr id="26" name="Picture 25">
+            <a:extLst>
+              <a:ext uri="{FF2B5EF4-FFF2-40B4-BE49-F238E27FC236}">
+                <a16:creationId xmlns:a16="http://schemas.microsoft.com/office/drawing/2014/main" id="{B322EF40-A178-5A16-1A73-E53C724AB905}"/>
+              </a:ext>
+            </a:extLst>
+          </p:cNvPr>
+          <p:cNvPicPr>
+            <a:picLocks noChangeAspect="1"/>
+          </p:cNvPicPr>
+          <p:nvPr/>
+        </p:nvPicPr>
+        <p:blipFill>
+          <a:blip r:embed="rId6"/>
+          <a:stretch>
+            <a:fillRect/>
+          </a:stretch>
+        </p:blipFill>
+        <p:spPr>
+          <a:xfrm>
+            <a:off x="4301451" y="4461458"/>
+            <a:ext cx="4053510" cy="1670496"/>
+          </a:xfrm>
+          <a:prstGeom prst="rect">
+            <a:avLst/>
+          </a:prstGeom>
+        </p:spPr>
+      </p:pic>
+      <p:pic>
+        <p:nvPicPr>
+          <p:cNvPr id="28" name="Picture 27">
+            <a:extLst>
+              <a:ext uri="{FF2B5EF4-FFF2-40B4-BE49-F238E27FC236}">
+                <a16:creationId xmlns:a16="http://schemas.microsoft.com/office/drawing/2014/main" id="{5859083D-7F0C-FA7F-6EA3-B59F8F9A0EE4}"/>
+              </a:ext>
+            </a:extLst>
+          </p:cNvPr>
+          <p:cNvPicPr>
+            <a:picLocks noChangeAspect="1"/>
+          </p:cNvPicPr>
+          <p:nvPr/>
+        </p:nvPicPr>
+        <p:blipFill>
+          <a:blip r:embed="rId7"/>
+          <a:stretch>
+            <a:fillRect/>
+          </a:stretch>
+        </p:blipFill>
+        <p:spPr>
+          <a:xfrm>
+            <a:off x="8406309" y="4461458"/>
+            <a:ext cx="3589202" cy="1590434"/>
+          </a:xfrm>
+          <a:prstGeom prst="rect">
+            <a:avLst/>
+          </a:prstGeom>
+        </p:spPr>
+      </p:pic>
     </p:spTree>
     <p:extLst>
       <p:ext uri="{BB962C8B-B14F-4D97-AF65-F5344CB8AC3E}">
@@ -1881,7 +2023,7 @@
         </p:nvSpPr>
         <p:spPr>
           <a:xfrm>
-            <a:off x="1286131" y="2274838"/>
+            <a:off x="1286131" y="2244358"/>
             <a:ext cx="10210800" cy="2862322"/>
           </a:xfrm>
           <a:prstGeom prst="rect">
@@ -1911,7 +2053,24 @@
                 </a:solidFill>
                 <a:effectLst/>
               </a:rPr>
-              <a:t>: Forecast future movements of the </a:t>
+              <a:t>: Forecasting of price and future </a:t>
+            </a:r>
+            <a:r>
+              <a:rPr lang="en-GB" dirty="0">
+                <a:solidFill>
+                  <a:srgbClr val="000000"/>
+                </a:solidFill>
+              </a:rPr>
+              <a:t>volatility </a:t>
+            </a:r>
+            <a:r>
+              <a:rPr lang="en-GB" b="0" i="0" u="none" strike="noStrike" dirty="0">
+                <a:solidFill>
+                  <a:srgbClr val="000000"/>
+                </a:solidFill>
+                <a:effectLst/>
+              </a:rPr>
+              <a:t>of the </a:t>
             </a:r>
             <a:r>
               <a:rPr lang="en-GB" b="1" i="0" u="none" strike="noStrike" dirty="0">
@@ -1930,6 +2089,50 @@
                 <a:effectLst/>
               </a:rPr>
             </a:br>
+            <a:endParaRPr lang="en-GB" b="1" i="0" u="none" strike="noStrike" dirty="0">
+              <a:solidFill>
+                <a:srgbClr val="000000"/>
+              </a:solidFill>
+              <a:effectLst/>
+            </a:endParaRPr>
+          </a:p>
+          <a:p>
+            <a:r>
+              <a:rPr lang="en-GB" b="1" dirty="0">
+                <a:solidFill>
+                  <a:srgbClr val="000000"/>
+                </a:solidFill>
+              </a:rPr>
+              <a:t>Potential secondary goals:</a:t>
+            </a:r>
+          </a:p>
+          <a:p>
+            <a:pPr marL="285750" indent="-285750">
+              <a:buFont typeface="Wingdings" panose="05000000000000000000" pitchFamily="2" charset="2"/>
+              <a:buChar char="ü"/>
+            </a:pPr>
+            <a:r>
+              <a:rPr lang="en-GB" i="0" u="none" strike="noStrike" dirty="0">
+                <a:solidFill>
+                  <a:srgbClr val="000000"/>
+                </a:solidFill>
+                <a:effectLst/>
+              </a:rPr>
+              <a:t>Introduction of exogenous data for forecasting refinement</a:t>
+            </a:r>
+          </a:p>
+          <a:p>
+            <a:pPr marL="285750" indent="-285750">
+              <a:buFont typeface="Wingdings" panose="05000000000000000000" pitchFamily="2" charset="2"/>
+              <a:buChar char="ü"/>
+            </a:pPr>
+            <a:endParaRPr lang="en-GB" b="1" dirty="0">
+              <a:solidFill>
+                <a:srgbClr val="000000"/>
+              </a:solidFill>
+            </a:endParaRPr>
+          </a:p>
+          <a:p>
             <a:endParaRPr lang="en-GB" b="0" i="0" u="none" strike="noStrike" dirty="0">
               <a:solidFill>
                 <a:srgbClr val="000000"/>
@@ -1946,7 +2149,7 @@
                 </a:solidFill>
                 <a:effectLst/>
               </a:rPr>
-              <a:t>Secondary Goal</a:t>
+              <a:t>Approach</a:t>
             </a:r>
             <a:r>
               <a:rPr lang="en-GB" b="0" i="0" u="none" strike="noStrike" dirty="0">
@@ -1959,18 +2162,18 @@
             </a:r>
           </a:p>
           <a:p>
-            <a:pPr marL="742950" lvl="1" indent="-285750" algn="just">
-              <a:buFont typeface="Arial" panose="020B0604020202020204" pitchFamily="34" charset="0"/>
-              <a:buChar char="•"/>
+            <a:pPr marL="285750" indent="-285750" algn="just">
+              <a:buFont typeface="Wingdings" panose="05000000000000000000" pitchFamily="2" charset="2"/>
+              <a:buChar char="ü"/>
             </a:pPr>
             <a:r>
-              <a:rPr lang="en-GB" b="0" i="0" u="none" strike="noStrike" dirty="0" err="1">
+              <a:rPr lang="en-GB" b="1" i="0" u="none" strike="noStrike" dirty="0">
                 <a:solidFill>
                   <a:srgbClr val="000000"/>
                 </a:solidFill>
                 <a:effectLst/>
               </a:rPr>
-              <a:t>Analyze</a:t>
+              <a:t>Linear Regression</a:t>
             </a:r>
             <a:r>
               <a:rPr lang="en-GB" b="0" i="0" u="none" strike="noStrike" dirty="0">
@@ -1979,7 +2182,15 @@
                 </a:solidFill>
                 <a:effectLst/>
               </a:rPr>
-              <a:t> and quantify </a:t>
+              <a:t> and </a:t>
+            </a:r>
+            <a:r>
+              <a:rPr lang="en-GB" b="1" dirty="0">
+                <a:solidFill>
+                  <a:srgbClr val="000000"/>
+                </a:solidFill>
+              </a:rPr>
+              <a:t>GA</a:t>
             </a:r>
             <a:r>
               <a:rPr lang="en-GB" b="1" i="0" u="none" strike="noStrike" dirty="0">
@@ -1988,139 +2199,29 @@
                 </a:solidFill>
                 <a:effectLst/>
               </a:rPr>
-              <a:t>correlations</a:t>
-            </a:r>
-            <a:r>
-              <a:rPr lang="en-GB" b="0" i="0" u="none" strike="noStrike" dirty="0">
+              <a:t>RCH models </a:t>
+            </a:r>
+            <a:r>
+              <a:rPr lang="en-GB" i="0" u="none" strike="noStrike" dirty="0">
                 <a:solidFill>
                   <a:srgbClr val="000000"/>
                 </a:solidFill>
                 <a:effectLst/>
               </a:rPr>
-              <a:t> between NIFTY50 and global market indices</a:t>
-            </a:r>
-          </a:p>
-          <a:p>
-            <a:pPr marL="742950" lvl="1" indent="-285750">
-              <a:buFont typeface="Arial" panose="020B0604020202020204" pitchFamily="34" charset="0"/>
-              <a:buChar char="•"/>
+              <a:t>for one step-ahead rolling window forecasting </a:t>
+            </a:r>
+          </a:p>
+          <a:p>
+            <a:pPr marL="285750" indent="-285750" algn="just">
+              <a:buFont typeface="Wingdings" panose="05000000000000000000" pitchFamily="2" charset="2"/>
+              <a:buChar char="ü"/>
             </a:pPr>
-            <a:r>
-              <a:rPr lang="en-GB" b="0" i="0" u="none" strike="noStrike" dirty="0">
-                <a:solidFill>
-                  <a:srgbClr val="000000"/>
-                </a:solidFill>
-                <a:effectLst/>
-              </a:rPr>
-              <a:t>Understand how global trends affect Indian market </a:t>
-            </a:r>
-            <a:r>
-              <a:rPr lang="en-GB" b="0" i="0" u="none" strike="noStrike" dirty="0" err="1">
-                <a:solidFill>
-                  <a:srgbClr val="000000"/>
-                </a:solidFill>
-                <a:effectLst/>
-              </a:rPr>
-              <a:t>behavior</a:t>
-            </a:r>
-            <a:br>
-              <a:rPr lang="en-GB" b="0" i="0" u="none" strike="noStrike" dirty="0">
-                <a:solidFill>
-                  <a:srgbClr val="000000"/>
-                </a:solidFill>
-                <a:effectLst/>
-              </a:rPr>
-            </a:br>
             <a:endParaRPr lang="en-GB" b="0" i="0" u="none" strike="noStrike" dirty="0">
               <a:solidFill>
                 <a:srgbClr val="000000"/>
               </a:solidFill>
               <a:effectLst/>
             </a:endParaRPr>
-          </a:p>
-          <a:p>
-            <a:pPr algn="just"/>
-            <a:r>
-              <a:rPr lang="en-GB" b="1" i="0" u="none" strike="noStrike" dirty="0">
-                <a:solidFill>
-                  <a:srgbClr val="000000"/>
-                </a:solidFill>
-                <a:effectLst/>
-              </a:rPr>
-              <a:t>Approach</a:t>
-            </a:r>
-            <a:r>
-              <a:rPr lang="en-GB" b="0" i="0" u="none" strike="noStrike" dirty="0">
-                <a:solidFill>
-                  <a:srgbClr val="000000"/>
-                </a:solidFill>
-                <a:effectLst/>
-              </a:rPr>
-              <a:t>:</a:t>
-            </a:r>
-          </a:p>
-          <a:p>
-            <a:pPr marL="742950" lvl="1" indent="-285750">
-              <a:buFont typeface="Arial" panose="020B0604020202020204" pitchFamily="34" charset="0"/>
-              <a:buChar char="•"/>
-            </a:pPr>
-            <a:r>
-              <a:rPr lang="en-GB" b="0" i="0" u="none" strike="noStrike" dirty="0">
-                <a:solidFill>
-                  <a:srgbClr val="000000"/>
-                </a:solidFill>
-                <a:effectLst/>
-              </a:rPr>
-              <a:t>Time series forecasting using </a:t>
-            </a:r>
-            <a:r>
-              <a:rPr lang="en-GB" b="1" i="0" u="none" strike="noStrike" dirty="0">
-                <a:solidFill>
-                  <a:srgbClr val="000000"/>
-                </a:solidFill>
-                <a:effectLst/>
-              </a:rPr>
-              <a:t>Linear Regression</a:t>
-            </a:r>
-            <a:r>
-              <a:rPr lang="en-GB" b="0" i="0" u="none" strike="noStrike" dirty="0">
-                <a:solidFill>
-                  <a:srgbClr val="000000"/>
-                </a:solidFill>
-                <a:effectLst/>
-              </a:rPr>
-              <a:t> and </a:t>
-            </a:r>
-            <a:r>
-              <a:rPr lang="en-GB" b="1" i="0" u="none" strike="noStrike" dirty="0">
-                <a:solidFill>
-                  <a:srgbClr val="000000"/>
-                </a:solidFill>
-                <a:effectLst/>
-              </a:rPr>
-              <a:t>ARCH models</a:t>
-            </a:r>
-            <a:endParaRPr lang="en-GB" b="0" i="0" u="none" strike="noStrike" dirty="0">
-              <a:solidFill>
-                <a:srgbClr val="000000"/>
-              </a:solidFill>
-              <a:effectLst/>
-            </a:endParaRPr>
-          </a:p>
-          <a:p>
-            <a:pPr marL="742950" lvl="1" indent="-285750" algn="just">
-              <a:buFont typeface="Arial" panose="020B0604020202020204" pitchFamily="34" charset="0"/>
-              <a:buChar char="•"/>
-            </a:pPr>
-            <a:r>
-              <a:rPr lang="en-GB" b="0" i="0" u="none" strike="noStrike" dirty="0">
-                <a:solidFill>
-                  <a:srgbClr val="000000"/>
-                </a:solidFill>
-                <a:effectLst/>
-              </a:rPr>
-              <a:t>Correlation matrices for inter-index relationships</a:t>
-            </a:r>
           </a:p>
           <a:p>
             <a:pPr algn="just">
@@ -2661,7 +2762,7 @@
         <p:spPr>
           <a:xfrm>
             <a:off x="342412" y="1159547"/>
-            <a:ext cx="6497155" cy="4247317"/>
+            <a:ext cx="6497155" cy="2862322"/>
           </a:xfrm>
           <a:prstGeom prst="rect">
             <a:avLst/>
@@ -2683,12 +2784,8 @@
             </a:r>
             <a:r>
               <a:rPr lang="en-GB" dirty="0"/>
-              <a:t>: GARCH (Autoregressive Conditional Heteroskedasticity) on 2017-2018 data</a:t>
-            </a:r>
-            <a:br>
-              <a:rPr lang="en-GB" dirty="0"/>
-            </a:br>
-            <a:endParaRPr lang="en-GB" dirty="0"/>
+              <a:t>: GARCH (Autoregressive Conditional Heteroskedasticity)</a:t>
+            </a:r>
           </a:p>
           <a:p>
             <a:pPr>
@@ -2705,36 +2802,6 @@
           </a:p>
           <a:p>
             <a:endParaRPr lang="en-GB" dirty="0"/>
-          </a:p>
-          <a:p>
-            <a:pPr marL="285750" indent="-285750">
-              <a:buFont typeface="Wingdings" panose="05000000000000000000" pitchFamily="2" charset="2"/>
-              <a:buChar char="ü"/>
-            </a:pPr>
-            <a:r>
-              <a:rPr lang="en-GB" dirty="0"/>
-              <a:t>Daily log-returns</a:t>
-            </a:r>
-          </a:p>
-          <a:p>
-            <a:pPr marL="285750" indent="-285750">
-              <a:buFont typeface="Wingdings" panose="05000000000000000000" pitchFamily="2" charset="2"/>
-              <a:buChar char="ü"/>
-            </a:pPr>
-            <a:r>
-              <a:rPr lang="en-GB" dirty="0"/>
-              <a:t>Hour 17.00 returns are excluded</a:t>
-            </a:r>
-          </a:p>
-          <a:p>
-            <a:pPr marL="285750" indent="-285750">
-              <a:buFont typeface="Wingdings" panose="05000000000000000000" pitchFamily="2" charset="2"/>
-              <a:buChar char="ü"/>
-            </a:pPr>
-            <a:r>
-              <a:rPr lang="en-GB" dirty="0"/>
-              <a:t>ADF tests (under all the 3 assumptions)  show that there is statistical evidence to assume stationarity</a:t>
-            </a:r>
           </a:p>
           <a:p>
             <a:pPr>
@@ -2771,6 +2838,9 @@
               <a:rPr lang="en-GB" dirty="0"/>
               <a:t>Low R^2  and adjusted R^2 </a:t>
             </a:r>
+          </a:p>
+          <a:p>
+            <a:pPr lvl="1"/>
             <a:br>
               <a:rPr lang="en-GB" dirty="0"/>
             </a:br>
@@ -2793,10 +2863,10 @@
       </p:sp>
       <p:pic>
         <p:nvPicPr>
-          <p:cNvPr id="7" name="Picture 6">
+          <p:cNvPr id="15" name="Picture 14">
             <a:extLst>
               <a:ext uri="{FF2B5EF4-FFF2-40B4-BE49-F238E27FC236}">
-                <a16:creationId xmlns:a16="http://schemas.microsoft.com/office/drawing/2014/main" id="{5119EEA1-8AC2-16FB-00CF-91ACE966EF98}"/>
+                <a16:creationId xmlns:a16="http://schemas.microsoft.com/office/drawing/2014/main" id="{0AAA055C-806E-0D3C-DE9F-E3D9E669E71D}"/>
               </a:ext>
             </a:extLst>
           </p:cNvPr>
@@ -2813,8 +2883,8 @@
         </p:blipFill>
         <p:spPr>
           <a:xfrm>
-            <a:off x="7192068" y="1193101"/>
-            <a:ext cx="4552001" cy="1933536"/>
+            <a:off x="8006110" y="4253820"/>
+            <a:ext cx="4026654" cy="1587862"/>
           </a:xfrm>
           <a:prstGeom prst="rect">
             <a:avLst/>
@@ -2823,10 +2893,10 @@
       </p:pic>
       <p:pic>
         <p:nvPicPr>
-          <p:cNvPr id="13" name="Picture 12">
+          <p:cNvPr id="17" name="Picture 16">
             <a:extLst>
               <a:ext uri="{FF2B5EF4-FFF2-40B4-BE49-F238E27FC236}">
-                <a16:creationId xmlns:a16="http://schemas.microsoft.com/office/drawing/2014/main" id="{923F72F9-C112-245C-AD8F-792641FA6D77}"/>
+                <a16:creationId xmlns:a16="http://schemas.microsoft.com/office/drawing/2014/main" id="{476E2409-D583-B17B-F7C0-B13E5B85C726}"/>
               </a:ext>
             </a:extLst>
           </p:cNvPr>
@@ -2843,8 +2913,251 @@
         </p:blipFill>
         <p:spPr>
           <a:xfrm>
-            <a:off x="5711235" y="3574473"/>
-            <a:ext cx="6225422" cy="2454919"/>
+            <a:off x="0" y="4141187"/>
+            <a:ext cx="4026657" cy="1587863"/>
+          </a:xfrm>
+          <a:prstGeom prst="rect">
+            <a:avLst/>
+          </a:prstGeom>
+        </p:spPr>
+      </p:pic>
+      <p:pic>
+        <p:nvPicPr>
+          <p:cNvPr id="19" name="Picture 18">
+            <a:extLst>
+              <a:ext uri="{FF2B5EF4-FFF2-40B4-BE49-F238E27FC236}">
+                <a16:creationId xmlns:a16="http://schemas.microsoft.com/office/drawing/2014/main" id="{80096AAE-EE2F-015D-6D2E-FA364E737E6B}"/>
+              </a:ext>
+            </a:extLst>
+          </p:cNvPr>
+          <p:cNvPicPr>
+            <a:picLocks noChangeAspect="1"/>
+          </p:cNvPicPr>
+          <p:nvPr/>
+        </p:nvPicPr>
+        <p:blipFill>
+          <a:blip r:embed="rId4"/>
+          <a:stretch>
+            <a:fillRect/>
+          </a:stretch>
+        </p:blipFill>
+        <p:spPr>
+          <a:xfrm>
+            <a:off x="4141299" y="4361352"/>
+            <a:ext cx="3750169" cy="1480330"/>
+          </a:xfrm>
+          <a:prstGeom prst="rect">
+            <a:avLst/>
+          </a:prstGeom>
+        </p:spPr>
+      </p:pic>
+      <p:sp>
+        <p:nvSpPr>
+          <p:cNvPr id="22" name="TextBox 21">
+            <a:extLst>
+              <a:ext uri="{FF2B5EF4-FFF2-40B4-BE49-F238E27FC236}">
+                <a16:creationId xmlns:a16="http://schemas.microsoft.com/office/drawing/2014/main" id="{7C9A906B-6A03-41A4-4794-996EF320497A}"/>
+              </a:ext>
+            </a:extLst>
+          </p:cNvPr>
+          <p:cNvSpPr txBox="1"/>
+          <p:nvPr/>
+        </p:nvSpPr>
+        <p:spPr>
+          <a:xfrm>
+            <a:off x="9356273" y="5801673"/>
+            <a:ext cx="1067921" cy="369332"/>
+          </a:xfrm>
+          <a:prstGeom prst="rect">
+            <a:avLst/>
+          </a:prstGeom>
+          <a:noFill/>
+        </p:spPr>
+        <p:txBody>
+          <a:bodyPr wrap="none" rtlCol="0">
+            <a:spAutoFit/>
+          </a:bodyPr>
+          <a:lstStyle/>
+          <a:p>
+            <a:r>
+              <a:rPr lang="it-IT" dirty="0"/>
+              <a:t>R2=0.629</a:t>
+            </a:r>
+          </a:p>
+        </p:txBody>
+      </p:sp>
+      <p:sp>
+        <p:nvSpPr>
+          <p:cNvPr id="23" name="TextBox 22">
+            <a:extLst>
+              <a:ext uri="{FF2B5EF4-FFF2-40B4-BE49-F238E27FC236}">
+                <a16:creationId xmlns:a16="http://schemas.microsoft.com/office/drawing/2014/main" id="{0D7E85B3-650E-2191-E3C4-1B3385075399}"/>
+              </a:ext>
+            </a:extLst>
+          </p:cNvPr>
+          <p:cNvSpPr txBox="1"/>
+          <p:nvPr/>
+        </p:nvSpPr>
+        <p:spPr>
+          <a:xfrm>
+            <a:off x="1608573" y="5728454"/>
+            <a:ext cx="1067921" cy="369332"/>
+          </a:xfrm>
+          <a:prstGeom prst="rect">
+            <a:avLst/>
+          </a:prstGeom>
+          <a:noFill/>
+        </p:spPr>
+        <p:txBody>
+          <a:bodyPr wrap="none" rtlCol="0">
+            <a:spAutoFit/>
+          </a:bodyPr>
+          <a:lstStyle/>
+          <a:p>
+            <a:r>
+              <a:rPr lang="it-IT" dirty="0"/>
+              <a:t>R2=0.001</a:t>
+            </a:r>
+          </a:p>
+        </p:txBody>
+      </p:sp>
+      <p:sp>
+        <p:nvSpPr>
+          <p:cNvPr id="24" name="TextBox 23">
+            <a:extLst>
+              <a:ext uri="{FF2B5EF4-FFF2-40B4-BE49-F238E27FC236}">
+                <a16:creationId xmlns:a16="http://schemas.microsoft.com/office/drawing/2014/main" id="{4D23567D-9714-EE52-1565-32FFF0AD61F6}"/>
+              </a:ext>
+            </a:extLst>
+          </p:cNvPr>
+          <p:cNvSpPr txBox="1"/>
+          <p:nvPr/>
+        </p:nvSpPr>
+        <p:spPr>
+          <a:xfrm>
+            <a:off x="5452486" y="5811833"/>
+            <a:ext cx="1067921" cy="369332"/>
+          </a:xfrm>
+          <a:prstGeom prst="rect">
+            <a:avLst/>
+          </a:prstGeom>
+          <a:noFill/>
+        </p:spPr>
+        <p:txBody>
+          <a:bodyPr wrap="none" rtlCol="0">
+            <a:spAutoFit/>
+          </a:bodyPr>
+          <a:lstStyle/>
+          <a:p>
+            <a:r>
+              <a:rPr lang="it-IT" dirty="0"/>
+              <a:t>R2=0.102</a:t>
+            </a:r>
+          </a:p>
+        </p:txBody>
+      </p:sp>
+      <p:pic>
+        <p:nvPicPr>
+          <p:cNvPr id="26" name="Picture 25" descr="A black and white math equation&#10;&#10;AI-generated content may be incorrect.">
+            <a:extLst>
+              <a:ext uri="{FF2B5EF4-FFF2-40B4-BE49-F238E27FC236}">
+                <a16:creationId xmlns:a16="http://schemas.microsoft.com/office/drawing/2014/main" id="{566616EE-413B-9BE7-05E8-0DDC6AACB012}"/>
+              </a:ext>
+            </a:extLst>
+          </p:cNvPr>
+          <p:cNvPicPr>
+            <a:picLocks noChangeAspect="1"/>
+          </p:cNvPicPr>
+          <p:nvPr/>
+        </p:nvPicPr>
+        <p:blipFill>
+          <a:blip r:embed="rId5">
+            <a:extLst>
+              <a:ext uri="{28A0092B-C50C-407E-A947-70E740481C1C}">
+                <a14:useLocalDpi xmlns:a14="http://schemas.microsoft.com/office/drawing/2010/main" val="0"/>
+              </a:ext>
+            </a:extLst>
+          </a:blip>
+          <a:stretch>
+            <a:fillRect/>
+          </a:stretch>
+        </p:blipFill>
+        <p:spPr>
+          <a:xfrm>
+            <a:off x="7776226" y="2459503"/>
+            <a:ext cx="3160094" cy="1099164"/>
+          </a:xfrm>
+          <a:prstGeom prst="rect">
+            <a:avLst/>
+          </a:prstGeom>
+        </p:spPr>
+      </p:pic>
+      <p:pic>
+        <p:nvPicPr>
+          <p:cNvPr id="28" name="Picture 27" descr="A math symbols on a white background&#10;&#10;AI-generated content may be incorrect.">
+            <a:extLst>
+              <a:ext uri="{FF2B5EF4-FFF2-40B4-BE49-F238E27FC236}">
+                <a16:creationId xmlns:a16="http://schemas.microsoft.com/office/drawing/2014/main" id="{1ED51275-FDAA-CE1E-511E-056E92F9271E}"/>
+              </a:ext>
+            </a:extLst>
+          </p:cNvPr>
+          <p:cNvPicPr>
+            <a:picLocks noChangeAspect="1"/>
+          </p:cNvPicPr>
+          <p:nvPr/>
+        </p:nvPicPr>
+        <p:blipFill>
+          <a:blip r:embed="rId6">
+            <a:extLst>
+              <a:ext uri="{28A0092B-C50C-407E-A947-70E740481C1C}">
+                <a14:useLocalDpi xmlns:a14="http://schemas.microsoft.com/office/drawing/2010/main" val="0"/>
+              </a:ext>
+            </a:extLst>
+          </a:blip>
+          <a:stretch>
+            <a:fillRect/>
+          </a:stretch>
+        </p:blipFill>
+        <p:spPr>
+          <a:xfrm>
+            <a:off x="7891468" y="1167728"/>
+            <a:ext cx="3348926" cy="773911"/>
+          </a:xfrm>
+          <a:prstGeom prst="rect">
+            <a:avLst/>
+          </a:prstGeom>
+        </p:spPr>
+      </p:pic>
+      <p:pic>
+        <p:nvPicPr>
+          <p:cNvPr id="30" name="Picture 29" descr="A math equation with numbers&#10;&#10;AI-generated content may be incorrect.">
+            <a:extLst>
+              <a:ext uri="{FF2B5EF4-FFF2-40B4-BE49-F238E27FC236}">
+                <a16:creationId xmlns:a16="http://schemas.microsoft.com/office/drawing/2014/main" id="{BB9BDD1A-7D55-9DB3-0F20-3B848FD01B46}"/>
+              </a:ext>
+            </a:extLst>
+          </p:cNvPr>
+          <p:cNvPicPr>
+            <a:picLocks noChangeAspect="1"/>
+          </p:cNvPicPr>
+          <p:nvPr/>
+        </p:nvPicPr>
+        <p:blipFill>
+          <a:blip r:embed="rId7">
+            <a:extLst>
+              <a:ext uri="{28A0092B-C50C-407E-A947-70E740481C1C}">
+                <a14:useLocalDpi xmlns:a14="http://schemas.microsoft.com/office/drawing/2010/main" val="0"/>
+              </a:ext>
+            </a:extLst>
+          </a:blip>
+          <a:stretch>
+            <a:fillRect/>
+          </a:stretch>
+        </p:blipFill>
+        <p:spPr>
+          <a:xfrm>
+            <a:off x="7891468" y="1791616"/>
+            <a:ext cx="3129350" cy="705032"/>
           </a:xfrm>
           <a:prstGeom prst="rect">
             <a:avLst/>
@@ -3134,6 +3447,165 @@
     <p:extLst>
       <p:ext uri="{BB962C8B-B14F-4D97-AF65-F5344CB8AC3E}">
         <p14:creationId xmlns:p14="http://schemas.microsoft.com/office/powerpoint/2010/main" val="867968544"/>
+      </p:ext>
+    </p:extLst>
+  </p:cSld>
+  <p:clrMapOvr>
+    <a:masterClrMapping/>
+  </p:clrMapOvr>
+</p:sld>
+</file>
+
+<file path=ppt/slides/slide7.xml><?xml version="1.0" encoding="utf-8"?>
+<p:sld xmlns:a="http://schemas.openxmlformats.org/drawingml/2006/main" xmlns:r="http://schemas.openxmlformats.org/officeDocument/2006/relationships" xmlns:p="http://schemas.openxmlformats.org/presentationml/2006/main">
+  <p:cSld>
+    <p:spTree>
+      <p:nvGrpSpPr>
+        <p:cNvPr id="1" name=""/>
+        <p:cNvGrpSpPr/>
+        <p:nvPr/>
+      </p:nvGrpSpPr>
+      <p:grpSpPr>
+        <a:xfrm>
+          <a:off x="0" y="0"/>
+          <a:ext cx="0" cy="0"/>
+          <a:chOff x="0" y="0"/>
+          <a:chExt cx="0" cy="0"/>
+        </a:xfrm>
+      </p:grpSpPr>
+      <p:sp>
+        <p:nvSpPr>
+          <p:cNvPr id="2" name="Slide Number Placeholder 1">
+            <a:extLst>
+              <a:ext uri="{FF2B5EF4-FFF2-40B4-BE49-F238E27FC236}">
+                <a16:creationId xmlns:a16="http://schemas.microsoft.com/office/drawing/2014/main" id="{98A83C0F-D863-E408-6D6E-19D3C2B6D387}"/>
+              </a:ext>
+            </a:extLst>
+          </p:cNvPr>
+          <p:cNvSpPr>
+            <a:spLocks noGrp="1"/>
+          </p:cNvSpPr>
+          <p:nvPr>
+            <p:ph type="sldNum" sz="quarter" idx="12"/>
+          </p:nvPr>
+        </p:nvSpPr>
+        <p:spPr/>
+        <p:txBody>
+          <a:bodyPr/>
+          <a:lstStyle/>
+          <a:p>
+            <a:fld id="{DCE09022-C08B-4F34-B9F0-43AC160DA04C}" type="slidenum">
+              <a:rPr lang="it-IT" smtClean="0"/>
+              <a:pPr/>
+              <a:t>7</a:t>
+            </a:fld>
+            <a:r>
+              <a:rPr lang="it-IT"/>
+              <a:t>/XX</a:t>
+            </a:r>
+            <a:endParaRPr lang="it-IT" dirty="0"/>
+          </a:p>
+        </p:txBody>
+      </p:sp>
+      <p:sp>
+        <p:nvSpPr>
+          <p:cNvPr id="3" name="Title 2">
+            <a:extLst>
+              <a:ext uri="{FF2B5EF4-FFF2-40B4-BE49-F238E27FC236}">
+                <a16:creationId xmlns:a16="http://schemas.microsoft.com/office/drawing/2014/main" id="{37214939-97B3-9834-94CC-628FEACAE1C3}"/>
+              </a:ext>
+            </a:extLst>
+          </p:cNvPr>
+          <p:cNvSpPr>
+            <a:spLocks noGrp="1"/>
+          </p:cNvSpPr>
+          <p:nvPr>
+            <p:ph type="title"/>
+          </p:nvPr>
+        </p:nvSpPr>
+        <p:spPr/>
+        <p:txBody>
+          <a:bodyPr/>
+          <a:lstStyle/>
+          <a:p>
+            <a:r>
+              <a:rPr lang="it-IT" dirty="0" err="1"/>
+              <a:t>Questions</a:t>
+            </a:r>
+            <a:endParaRPr lang="it-IT" dirty="0"/>
+          </a:p>
+        </p:txBody>
+      </p:sp>
+      <p:sp>
+        <p:nvSpPr>
+          <p:cNvPr id="5" name="TextBox 4">
+            <a:extLst>
+              <a:ext uri="{FF2B5EF4-FFF2-40B4-BE49-F238E27FC236}">
+                <a16:creationId xmlns:a16="http://schemas.microsoft.com/office/drawing/2014/main" id="{B5FBE299-03EF-6D97-485C-3B15ED05B1CB}"/>
+              </a:ext>
+            </a:extLst>
+          </p:cNvPr>
+          <p:cNvSpPr txBox="1"/>
+          <p:nvPr/>
+        </p:nvSpPr>
+        <p:spPr>
+          <a:xfrm>
+            <a:off x="447931" y="1397675"/>
+            <a:ext cx="6420955" cy="1200329"/>
+          </a:xfrm>
+          <a:prstGeom prst="rect">
+            <a:avLst/>
+          </a:prstGeom>
+          <a:noFill/>
+        </p:spPr>
+        <p:txBody>
+          <a:bodyPr wrap="square">
+            <a:spAutoFit/>
+          </a:bodyPr>
+          <a:lstStyle/>
+          <a:p>
+            <a:pPr marL="285750" indent="-285750" algn="just">
+              <a:buFont typeface="Wingdings" panose="05000000000000000000" pitchFamily="2" charset="2"/>
+              <a:buChar char="ü"/>
+            </a:pPr>
+            <a:r>
+              <a:rPr lang="en-GB" dirty="0"/>
+              <a:t>Residuals not normal</a:t>
+            </a:r>
+          </a:p>
+          <a:p>
+            <a:pPr marL="285750" indent="-285750" algn="just">
+              <a:buFont typeface="Wingdings" panose="05000000000000000000" pitchFamily="2" charset="2"/>
+              <a:buChar char="ü"/>
+            </a:pPr>
+            <a:r>
+              <a:rPr lang="en-GB" dirty="0"/>
+              <a:t>Working with daily data</a:t>
+            </a:r>
+          </a:p>
+          <a:p>
+            <a:pPr marL="285750" indent="-285750" algn="just">
+              <a:buFont typeface="Wingdings" panose="05000000000000000000" pitchFamily="2" charset="2"/>
+              <a:buChar char="ü"/>
+            </a:pPr>
+            <a:r>
+              <a:rPr lang="en-GB" dirty="0"/>
+              <a:t>Working with a single index </a:t>
+            </a:r>
+          </a:p>
+          <a:p>
+            <a:pPr marL="285750" indent="-285750" algn="just">
+              <a:buFont typeface="Wingdings" panose="05000000000000000000" pitchFamily="2" charset="2"/>
+              <a:buChar char="ü"/>
+            </a:pPr>
+            <a:endParaRPr lang="en-GB" dirty="0"/>
+          </a:p>
+        </p:txBody>
+      </p:sp>
+    </p:spTree>
+    <p:extLst>
+      <p:ext uri="{BB962C8B-B14F-4D97-AF65-F5344CB8AC3E}">
+        <p14:creationId xmlns:p14="http://schemas.microsoft.com/office/powerpoint/2010/main" val="349610361"/>
       </p:ext>
     </p:extLst>
   </p:cSld>
